--- a/02_Working_with_Data_Types.pptx
+++ b/02_Working_with_Data_Types.pptx
@@ -3213,10 +3213,9 @@
         <a:lstStyle/>
         <a:p>
           <a:r>
-            <a:rPr lang="en-US" sz="3200"/>
-            <a:t>The importance of Data Types</a:t>
+            <a:rPr lang="en-US" sz="3200" dirty="0"/>
+            <a:t>The Importance of Data Types</a:t>
           </a:r>
-          <a:endParaRPr lang="en-US" sz="3200" dirty="0"/>
         </a:p>
       </dgm:t>
     </dgm:pt>
@@ -4247,10 +4246,9 @@
             <a:buNone/>
           </a:pPr>
           <a:r>
-            <a:rPr lang="en-US" sz="3200" kern="1200"/>
-            <a:t>The importance of Data Types</a:t>
+            <a:rPr lang="en-US" sz="3200" kern="1200" dirty="0"/>
+            <a:t>The Importance of Data Types</a:t>
           </a:r>
-          <a:endParaRPr lang="en-US" sz="3200" kern="1200" dirty="0"/>
         </a:p>
       </dsp:txBody>
       <dsp:txXfrm>
@@ -10160,7 +10158,7 @@
           <a:p>
             <a:fld id="{CFBA6064-FDE0-48E8-9405-22609F48ED19}" type="datetimeFigureOut">
               <a:rPr lang="en-US" smtClean="0"/>
-              <a:t>11/3/2020</a:t>
+              <a:t>11/22/2021</a:t>
             </a:fld>
             <a:endParaRPr lang="en-US"/>
           </a:p>
@@ -11939,7 +11937,7 @@
         </p:nvSpPr>
         <p:spPr>
           <a:xfrm>
-            <a:off x="650074" y="4169153"/>
+            <a:off x="507570" y="3913834"/>
             <a:ext cx="3913536" cy="1792850"/>
           </a:xfrm>
         </p:spPr>
@@ -16601,7 +16599,7 @@
           <p:nvPr>
             <p:extLst>
               <p:ext uri="{D42A27DB-BD31-4B8C-83A1-F6EECF244321}">
-                <p14:modId xmlns:p14="http://schemas.microsoft.com/office/powerpoint/2010/main" val="41092570"/>
+                <p14:modId xmlns:p14="http://schemas.microsoft.com/office/powerpoint/2010/main" val="616622196"/>
               </p:ext>
             </p:extLst>
           </p:nvPr>
@@ -19763,5 +19761,7 @@
 </file>
 
 <file path=docMetadata/LabelInfo.xml><?xml version="1.0" encoding="utf-8"?>
-<clbl:labelList xmlns:clbl="http://schemas.microsoft.com/office/2020/mipLabelMetadata"/>
+<clbl:labelList xmlns:clbl="http://schemas.microsoft.com/office/2020/mipLabelMetadata">
+  <clbl:label id="{f42aa342-8706-4288-bd11-ebb85995028c}" enabled="1" method="Privileged" siteId="{72f988bf-86f1-41af-91ab-2d7cd011db47}" removed="0"/>
+</clbl:labelList>
 </file>